--- a/categories-icons/新建 Microsoft PowerPoint 演示文稿.pptx
+++ b/categories-icons/新建 Microsoft PowerPoint 演示文稿.pptx
@@ -104,6 +104,11 @@
       </a:defRPr>
     </a:lvl9pPr>
   </p:defaultTextStyle>
+  <p:extLst>
+    <p:ext uri="{EFAFB233-063F-42B5-8137-9DF3F51BA10A}">
+      <p15:sldGuideLst xmlns:p15="http://schemas.microsoft.com/office/powerpoint/2012/main"/>
+    </p:ext>
+  </p:extLst>
 </p:presentation>
 </file>
 
@@ -3336,7 +3341,7 @@
         <p:spPr>
           <a:xfrm>
             <a:off x="6971156" y="2505670"/>
-            <a:ext cx="1569661" cy="923330"/>
+            <a:ext cx="1569660" cy="923330"/>
           </a:xfrm>
           <a:prstGeom prst="rect">
             <a:avLst/>
@@ -3354,13 +3359,13 @@
               <a:rPr lang="zh-CN" altLang="en-US" sz="5400" b="0" cap="none" spc="0" dirty="0">
                 <a:ln w="0"/>
                 <a:solidFill>
-                  <a:srgbClr val="E3C3D2"/>
+                  <a:srgbClr val="006089"/>
                 </a:solidFill>
                 <a:effectLst>
                   <a:reflection blurRad="6350" stA="53000" endA="300" endPos="35500" dir="5400000" sy="-90000" algn="bl" rotWithShape="0"/>
                 </a:effectLst>
               </a:rPr>
-              <a:t>運動</a:t>
+              <a:t>駕座</a:t>
             </a:r>
           </a:p>
         </p:txBody>

--- a/categories-icons/新建 Microsoft PowerPoint 演示文稿.pptx
+++ b/categories-icons/新建 Microsoft PowerPoint 演示文稿.pptx
@@ -259,7 +259,7 @@
           <a:p>
             <a:fld id="{C6BD31A7-AA8A-40D1-9413-BD28CE1C24A5}" type="datetimeFigureOut">
               <a:rPr lang="zh-CN" altLang="en-US" smtClean="0"/>
-              <a:t>2020/12/10</a:t>
+              <a:t>2020/12/16</a:t>
             </a:fld>
             <a:endParaRPr lang="zh-CN" altLang="en-US"/>
           </a:p>
@@ -457,7 +457,7 @@
           <a:p>
             <a:fld id="{C6BD31A7-AA8A-40D1-9413-BD28CE1C24A5}" type="datetimeFigureOut">
               <a:rPr lang="zh-CN" altLang="en-US" smtClean="0"/>
-              <a:t>2020/12/10</a:t>
+              <a:t>2020/12/16</a:t>
             </a:fld>
             <a:endParaRPr lang="zh-CN" altLang="en-US"/>
           </a:p>
@@ -665,7 +665,7 @@
           <a:p>
             <a:fld id="{C6BD31A7-AA8A-40D1-9413-BD28CE1C24A5}" type="datetimeFigureOut">
               <a:rPr lang="zh-CN" altLang="en-US" smtClean="0"/>
-              <a:t>2020/12/10</a:t>
+              <a:t>2020/12/16</a:t>
             </a:fld>
             <a:endParaRPr lang="zh-CN" altLang="en-US"/>
           </a:p>
@@ -863,7 +863,7 @@
           <a:p>
             <a:fld id="{C6BD31A7-AA8A-40D1-9413-BD28CE1C24A5}" type="datetimeFigureOut">
               <a:rPr lang="zh-CN" altLang="en-US" smtClean="0"/>
-              <a:t>2020/12/10</a:t>
+              <a:t>2020/12/16</a:t>
             </a:fld>
             <a:endParaRPr lang="zh-CN" altLang="en-US"/>
           </a:p>
@@ -1138,7 +1138,7 @@
           <a:p>
             <a:fld id="{C6BD31A7-AA8A-40D1-9413-BD28CE1C24A5}" type="datetimeFigureOut">
               <a:rPr lang="zh-CN" altLang="en-US" smtClean="0"/>
-              <a:t>2020/12/10</a:t>
+              <a:t>2020/12/16</a:t>
             </a:fld>
             <a:endParaRPr lang="zh-CN" altLang="en-US"/>
           </a:p>
@@ -1403,7 +1403,7 @@
           <a:p>
             <a:fld id="{C6BD31A7-AA8A-40D1-9413-BD28CE1C24A5}" type="datetimeFigureOut">
               <a:rPr lang="zh-CN" altLang="en-US" smtClean="0"/>
-              <a:t>2020/12/10</a:t>
+              <a:t>2020/12/16</a:t>
             </a:fld>
             <a:endParaRPr lang="zh-CN" altLang="en-US"/>
           </a:p>
@@ -1815,7 +1815,7 @@
           <a:p>
             <a:fld id="{C6BD31A7-AA8A-40D1-9413-BD28CE1C24A5}" type="datetimeFigureOut">
               <a:rPr lang="zh-CN" altLang="en-US" smtClean="0"/>
-              <a:t>2020/12/10</a:t>
+              <a:t>2020/12/16</a:t>
             </a:fld>
             <a:endParaRPr lang="zh-CN" altLang="en-US"/>
           </a:p>
@@ -1956,7 +1956,7 @@
           <a:p>
             <a:fld id="{C6BD31A7-AA8A-40D1-9413-BD28CE1C24A5}" type="datetimeFigureOut">
               <a:rPr lang="zh-CN" altLang="en-US" smtClean="0"/>
-              <a:t>2020/12/10</a:t>
+              <a:t>2020/12/16</a:t>
             </a:fld>
             <a:endParaRPr lang="zh-CN" altLang="en-US"/>
           </a:p>
@@ -2069,7 +2069,7 @@
           <a:p>
             <a:fld id="{C6BD31A7-AA8A-40D1-9413-BD28CE1C24A5}" type="datetimeFigureOut">
               <a:rPr lang="zh-CN" altLang="en-US" smtClean="0"/>
-              <a:t>2020/12/10</a:t>
+              <a:t>2020/12/16</a:t>
             </a:fld>
             <a:endParaRPr lang="zh-CN" altLang="en-US"/>
           </a:p>
@@ -2380,7 +2380,7 @@
           <a:p>
             <a:fld id="{C6BD31A7-AA8A-40D1-9413-BD28CE1C24A5}" type="datetimeFigureOut">
               <a:rPr lang="zh-CN" altLang="en-US" smtClean="0"/>
-              <a:t>2020/12/10</a:t>
+              <a:t>2020/12/16</a:t>
             </a:fld>
             <a:endParaRPr lang="zh-CN" altLang="en-US"/>
           </a:p>
@@ -2668,7 +2668,7 @@
           <a:p>
             <a:fld id="{C6BD31A7-AA8A-40D1-9413-BD28CE1C24A5}" type="datetimeFigureOut">
               <a:rPr lang="zh-CN" altLang="en-US" smtClean="0"/>
-              <a:t>2020/12/10</a:t>
+              <a:t>2020/12/16</a:t>
             </a:fld>
             <a:endParaRPr lang="zh-CN" altLang="en-US"/>
           </a:p>
@@ -2909,7 +2909,7 @@
           <a:p>
             <a:fld id="{C6BD31A7-AA8A-40D1-9413-BD28CE1C24A5}" type="datetimeFigureOut">
               <a:rPr lang="zh-CN" altLang="en-US" smtClean="0"/>
-              <a:t>2020/12/10</a:t>
+              <a:t>2020/12/16</a:t>
             </a:fld>
             <a:endParaRPr lang="zh-CN" altLang="en-US"/>
           </a:p>
@@ -3340,8 +3340,8 @@
         </p:nvSpPr>
         <p:spPr>
           <a:xfrm>
-            <a:off x="6971156" y="2505670"/>
-            <a:ext cx="1569660" cy="923330"/>
+            <a:off x="6873373" y="2505670"/>
+            <a:ext cx="1765227" cy="1754326"/>
           </a:xfrm>
           <a:prstGeom prst="rect">
             <a:avLst/>
@@ -3356,17 +3356,41 @@
           <a:p>
             <a:pPr algn="ctr"/>
             <a:r>
-              <a:rPr lang="zh-CN" altLang="en-US" sz="5400" b="0" cap="none" spc="0" dirty="0">
+              <a:rPr lang="en-US" altLang="zh-CN" sz="5400" b="0" cap="none" spc="0" dirty="0">
                 <a:ln w="0"/>
                 <a:solidFill>
-                  <a:srgbClr val="006089"/>
+                  <a:srgbClr val="E86CAB"/>
                 </a:solidFill>
                 <a:effectLst>
                   <a:reflection blurRad="6350" stA="53000" endA="300" endPos="35500" dir="5400000" sy="-90000" algn="bl" rotWithShape="0"/>
                 </a:effectLst>
               </a:rPr>
-              <a:t>駕座</a:t>
-            </a:r>
+              <a:t>Head</a:t>
+            </a:r>
+          </a:p>
+          <a:p>
+            <a:pPr algn="ctr"/>
+            <a:r>
+              <a:rPr lang="en-US" altLang="zh-CN" sz="5400" b="0" cap="none" spc="0" dirty="0">
+                <a:ln w="0"/>
+                <a:solidFill>
+                  <a:srgbClr val="E86CAB"/>
+                </a:solidFill>
+                <a:effectLst>
+                  <a:reflection blurRad="6350" stA="53000" endA="300" endPos="35500" dir="5400000" sy="-90000" algn="bl" rotWithShape="0"/>
+                </a:effectLst>
+              </a:rPr>
+              <a:t>-line</a:t>
+            </a:r>
+            <a:endParaRPr lang="zh-CN" altLang="en-US" sz="5400" b="0" cap="none" spc="0" dirty="0">
+              <a:ln w="0"/>
+              <a:solidFill>
+                <a:srgbClr val="E86CAB"/>
+              </a:solidFill>
+              <a:effectLst>
+                <a:reflection blurRad="6350" stA="53000" endA="300" endPos="35500" dir="5400000" sy="-90000" algn="bl" rotWithShape="0"/>
+              </a:effectLst>
+            </a:endParaRPr>
           </a:p>
         </p:txBody>
       </p:sp>

--- a/categories-icons/新建 Microsoft PowerPoint 演示文稿.pptx
+++ b/categories-icons/新建 Microsoft PowerPoint 演示文稿.pptx
@@ -3359,7 +3359,7 @@
               <a:rPr lang="en-US" altLang="zh-CN" sz="5400" b="0" cap="none" spc="0" dirty="0">
                 <a:ln w="0"/>
                 <a:solidFill>
-                  <a:srgbClr val="E86CAB"/>
+                  <a:srgbClr val="D92727"/>
                 </a:solidFill>
                 <a:effectLst>
                   <a:reflection blurRad="6350" stA="53000" endA="300" endPos="35500" dir="5400000" sy="-90000" algn="bl" rotWithShape="0"/>
@@ -3374,7 +3374,7 @@
               <a:rPr lang="en-US" altLang="zh-CN" sz="5400" b="0" cap="none" spc="0" dirty="0">
                 <a:ln w="0"/>
                 <a:solidFill>
-                  <a:srgbClr val="E86CAB"/>
+                  <a:srgbClr val="D92727"/>
                 </a:solidFill>
                 <a:effectLst>
                   <a:reflection blurRad="6350" stA="53000" endA="300" endPos="35500" dir="5400000" sy="-90000" algn="bl" rotWithShape="0"/>
@@ -3385,7 +3385,7 @@
             <a:endParaRPr lang="zh-CN" altLang="en-US" sz="5400" b="0" cap="none" spc="0" dirty="0">
               <a:ln w="0"/>
               <a:solidFill>
-                <a:srgbClr val="E86CAB"/>
+                <a:srgbClr val="D92727"/>
               </a:solidFill>
               <a:effectLst>
                 <a:reflection blurRad="6350" stA="53000" endA="300" endPos="35500" dir="5400000" sy="-90000" algn="bl" rotWithShape="0"/>
@@ -3418,6 +3418,42 @@
           <a:xfrm>
             <a:off x="-1825576" y="761853"/>
             <a:ext cx="6896100" cy="4743450"/>
+          </a:xfrm>
+          <a:prstGeom prst="rect">
+            <a:avLst/>
+          </a:prstGeom>
+        </p:spPr>
+      </p:pic>
+      <p:pic>
+        <p:nvPicPr>
+          <p:cNvPr id="3" name="图片 2">
+            <a:extLst>
+              <a:ext uri="{FF2B5EF4-FFF2-40B4-BE49-F238E27FC236}">
+                <a16:creationId xmlns:a16="http://schemas.microsoft.com/office/drawing/2014/main" id="{915B474A-C959-4288-8D7E-B64DDEB4090A}"/>
+              </a:ext>
+            </a:extLst>
+          </p:cNvPr>
+          <p:cNvPicPr>
+            <a:picLocks noChangeAspect="1"/>
+          </p:cNvPicPr>
+          <p:nvPr/>
+        </p:nvPicPr>
+        <p:blipFill>
+          <a:blip r:embed="rId3">
+            <a:extLst>
+              <a:ext uri="{28A0092B-C50C-407E-A947-70E740481C1C}">
+                <a14:useLocalDpi xmlns:a14="http://schemas.microsoft.com/office/drawing/2010/main" val="0"/>
+              </a:ext>
+            </a:extLst>
+          </a:blip>
+          <a:stretch>
+            <a:fillRect/>
+          </a:stretch>
+        </p:blipFill>
+        <p:spPr>
+          <a:xfrm>
+            <a:off x="6672556" y="0"/>
+            <a:ext cx="1857375" cy="1857375"/>
           </a:xfrm>
           <a:prstGeom prst="rect">
             <a:avLst/>
